--- a/slides/looping2.pptx
+++ b/slides/looping2.pptx
@@ -1221,41 +1221,57 @@
           <a:lstStyle/>
           <a:p>
             <a:r>
-              <a:rPr lang="en-US" altLang="en-US"/>
+              <a:rPr lang="en-US" altLang="en-US" dirty="0"/>
               <a:t>&gt;&gt;&gt; import arcpy</a:t>
             </a:r>
           </a:p>
           <a:p>
             <a:r>
-              <a:rPr lang="en-US" altLang="en-US"/>
+              <a:rPr lang="en-US" altLang="en-US" dirty="0"/>
               <a:t>&gt;&gt;&gt; fc = "C:/Temp/COVER63p.shp"</a:t>
             </a:r>
           </a:p>
           <a:p>
             <a:r>
-              <a:rPr lang="en-US" altLang="en-US"/>
-              <a:t>&gt;&gt;&gt; x = arcpy.ListFields( fc )</a:t>
-            </a:r>
-          </a:p>
-          <a:p>
-            <a:r>
-              <a:rPr lang="en-US" altLang="en-US"/>
-              <a:t>&gt;&gt;&gt; y = [ i.name for i in x]</a:t>
-            </a:r>
-          </a:p>
-          <a:p>
-            <a:r>
-              <a:rPr lang="en-US" altLang="en-US"/>
+              <a:rPr lang="en-US" altLang="en-US" dirty="0"/>
+              <a:t>&gt;&gt;&gt; x = </a:t>
+            </a:r>
+            <a:r>
+              <a:rPr lang="en-US" altLang="en-US" dirty="0" err="1"/>
+              <a:t>arcpy.ListFields</a:t>
+            </a:r>
+            <a:r>
+              <a:rPr lang="en-US" altLang="en-US" dirty="0"/>
+              <a:t>( fc )</a:t>
+            </a:r>
+          </a:p>
+          <a:p>
+            <a:r>
+              <a:rPr lang="en-US" altLang="en-US" dirty="0"/>
+              <a:t>&gt;&gt;&gt; y = [ i.name for </a:t>
+            </a:r>
+            <a:r>
+              <a:rPr lang="en-US" altLang="en-US" dirty="0" err="1"/>
+              <a:t>i</a:t>
+            </a:r>
+            <a:r>
+              <a:rPr lang="en-US" altLang="en-US" dirty="0"/>
+              <a:t> in x]</a:t>
+            </a:r>
+          </a:p>
+          <a:p>
+            <a:r>
+              <a:rPr lang="en-US" altLang="en-US" dirty="0"/>
               <a:t>&gt;&gt;&gt; if “COVER” in y:</a:t>
             </a:r>
           </a:p>
           <a:p>
             <a:r>
-              <a:rPr lang="en-US" altLang="en-US"/>
+              <a:rPr lang="en-US" altLang="en-US" dirty="0"/>
               <a:t>             </a:t>
             </a:r>
             <a:r>
-              <a:rPr lang="en-US" altLang="en-US">
+              <a:rPr lang="en-US" altLang="en-US" dirty="0">
                 <a:solidFill>
                   <a:srgbClr val="3333FF"/>
                 </a:solidFill>
@@ -1263,13 +1279,13 @@
               <a:t>print</a:t>
             </a:r>
             <a:r>
-              <a:rPr lang="en-US" altLang="en-US"/>
+              <a:rPr lang="en-US" altLang="en-US" dirty="0"/>
               <a:t> “Field ‘COVER’ found.”</a:t>
             </a:r>
           </a:p>
           <a:p>
             <a:r>
-              <a:rPr lang="en-US" altLang="en-US"/>
+              <a:rPr lang="en-US" altLang="en-US" dirty="0"/>
               <a:t> </a:t>
             </a:r>
           </a:p>
@@ -6281,17 +6297,9 @@
   <p:cSld>
     <p:bg>
       <p:bgPr>
-        <a:gradFill rotWithShape="0">
-          <a:gsLst>
-            <a:gs pos="0">
-              <a:srgbClr val="FFFFE6"/>
-            </a:gs>
-            <a:gs pos="100000">
-              <a:srgbClr val="D7D6AE"/>
-            </a:gs>
-          </a:gsLst>
-          <a:lin ang="2700000" scaled="1"/>
-        </a:gradFill>
+        <a:solidFill>
+          <a:schemeClr val="bg1"/>
+        </a:solidFill>
         <a:effectLst/>
       </p:bgPr>
     </p:bg>
@@ -8363,7 +8371,7 @@
             </a:r>
             <a:r>
               <a:rPr lang="en-US" altLang="en-US" sz="3200" dirty="0"/>
-              <a:t>(y, end='')</a:t>
+              <a:t>(y, end=' ')</a:t>
             </a:r>
           </a:p>
           <a:p>
@@ -8625,7 +8633,7 @@
             </a:r>
             <a:r>
               <a:rPr lang="en-US" altLang="en-US" sz="3200" dirty="0"/>
-              <a:t>(x, end='')</a:t>
+              <a:t>(x, end=' ')</a:t>
             </a:r>
           </a:p>
           <a:p>
@@ -9522,7 +9530,7 @@
             </a:r>
             <a:r>
               <a:rPr lang="en-US" altLang="en-US" sz="3200" dirty="0"/>
-              <a:t>(x, end='')</a:t>
+              <a:t>(x, end=' ')</a:t>
             </a:r>
             <a:endParaRPr lang="en-US" altLang="en-US" sz="3200" dirty="0">
               <a:latin typeface="+mn-lt"/>
@@ -9770,7 +9778,7 @@
             </a:r>
             <a:r>
               <a:rPr lang="en-US" altLang="en-US" sz="3200" dirty="0"/>
-              <a:t>, end='')</a:t>
+              <a:t>, end=' ')</a:t>
             </a:r>
           </a:p>
           <a:p>
@@ -13581,22 +13589,6 @@
 <file path=ppt/slides/slide19.xml><?xml version="1.0" encoding="utf-8"?>
 <p:sld xmlns:a="http://schemas.openxmlformats.org/drawingml/2006/main" xmlns:r="http://schemas.openxmlformats.org/officeDocument/2006/relationships" xmlns:p="http://schemas.openxmlformats.org/presentationml/2006/main">
   <p:cSld>
-    <p:bg>
-      <p:bgPr>
-        <a:gradFill rotWithShape="0">
-          <a:gsLst>
-            <a:gs pos="0">
-              <a:srgbClr val="FFFFE6"/>
-            </a:gs>
-            <a:gs pos="100000">
-              <a:srgbClr val="D7D6AE"/>
-            </a:gs>
-          </a:gsLst>
-          <a:lin ang="2700000" scaled="1"/>
-        </a:gradFill>
-        <a:effectLst/>
-      </p:bgPr>
-    </p:bg>
     <p:spTree>
       <p:nvGrpSpPr>
         <p:cNvPr id="1" name=""/>
@@ -21838,7 +21830,7 @@
               <a:buNone/>
             </a:pPr>
             <a:r>
-              <a:rPr lang="en-US" altLang="en-US"/>
+              <a:rPr lang="en-US" altLang="en-US" dirty="0"/>
               <a:t>How would you check if a shapefile has a field named 'COVER‘ ( in 9.3)? </a:t>
             </a:r>
           </a:p>
@@ -21851,7 +21843,7 @@
               <a:buNone/>
             </a:pPr>
             <a:r>
-              <a:rPr lang="en-US" altLang="en-US" sz="2800">
+              <a:rPr lang="en-US" altLang="en-US" sz="2800" dirty="0">
                 <a:solidFill>
                   <a:srgbClr val="3333FF"/>
                 </a:solidFill>
@@ -21859,7 +21851,7 @@
               <a:t>import</a:t>
             </a:r>
             <a:r>
-              <a:rPr lang="en-US" altLang="en-US" sz="2800"/>
+              <a:rPr lang="en-US" altLang="en-US" sz="2800" dirty="0"/>
               <a:t> arcpy</a:t>
             </a:r>
           </a:p>
@@ -21872,11 +21864,11 @@
               <a:buNone/>
             </a:pPr>
             <a:r>
-              <a:rPr lang="en-US" altLang="en-US" sz="2800"/>
+              <a:rPr lang="en-US" altLang="en-US" sz="2800" dirty="0"/>
               <a:t>fc = </a:t>
             </a:r>
             <a:r>
-              <a:rPr lang="en-US" altLang="en-US" sz="2800">
+              <a:rPr lang="en-US" altLang="en-US" sz="2800" dirty="0">
                 <a:solidFill>
                   <a:srgbClr val="99CC00"/>
                 </a:solidFill>
@@ -21893,8 +21885,16 @@
               <a:buNone/>
             </a:pPr>
             <a:r>
-              <a:rPr lang="en-US" altLang="en-US" sz="2800"/>
-              <a:t>fs = arcpy.ListFields( fc )</a:t>
+              <a:rPr lang="en-US" altLang="en-US" sz="2800" dirty="0"/>
+              <a:t>fs = </a:t>
+            </a:r>
+            <a:r>
+              <a:rPr lang="en-US" altLang="en-US" sz="2800" dirty="0" err="1"/>
+              <a:t>arcpy.ListFields</a:t>
+            </a:r>
+            <a:r>
+              <a:rPr lang="en-US" altLang="en-US" sz="2800" dirty="0"/>
+              <a:t>( fc )</a:t>
             </a:r>
           </a:p>
           <a:p>
@@ -21906,7 +21906,7 @@
               <a:buNone/>
             </a:pPr>
             <a:r>
-              <a:rPr lang="en-US" altLang="en-US" sz="2800">
+              <a:rPr lang="en-US" altLang="en-US" sz="2800" dirty="0">
                 <a:solidFill>
                   <a:srgbClr val="0000FF"/>
                 </a:solidFill>
@@ -21914,7 +21914,7 @@
               <a:t>for</a:t>
             </a:r>
             <a:r>
-              <a:rPr lang="en-US" altLang="en-US" sz="2800"/>
+              <a:rPr lang="en-US" altLang="en-US" sz="2800" dirty="0"/>
               <a:t> f in fs: </a:t>
             </a:r>
           </a:p>
@@ -21927,11 +21927,11 @@
               <a:buNone/>
             </a:pPr>
             <a:r>
-              <a:rPr lang="en-US" altLang="en-US" sz="2800"/>
+              <a:rPr lang="en-US" altLang="en-US" sz="2800" dirty="0"/>
               <a:t>	  </a:t>
             </a:r>
             <a:r>
-              <a:rPr lang="en-US" altLang="en-US" sz="2800">
+              <a:rPr lang="en-US" altLang="en-US" sz="2800" dirty="0">
                 <a:solidFill>
                   <a:srgbClr val="0000FF"/>
                 </a:solidFill>
@@ -21939,8 +21939,16 @@
               <a:t>if</a:t>
             </a:r>
             <a:r>
-              <a:rPr lang="en-US" altLang="en-US" sz="2800"/>
-              <a:t> f.Name == “COVER”:</a:t>
+              <a:rPr lang="en-US" altLang="en-US" sz="2800" dirty="0"/>
+              <a:t> </a:t>
+            </a:r>
+            <a:r>
+              <a:rPr lang="en-US" altLang="en-US" sz="2800" dirty="0" err="1"/>
+              <a:t>f.Name</a:t>
+            </a:r>
+            <a:r>
+              <a:rPr lang="en-US" altLang="en-US" sz="2800" dirty="0"/>
+              <a:t> == “COVER”:</a:t>
             </a:r>
           </a:p>
           <a:p>
@@ -21952,11 +21960,11 @@
               <a:buNone/>
             </a:pPr>
             <a:r>
-              <a:rPr lang="en-US" altLang="en-US" sz="2400"/>
+              <a:rPr lang="en-US" altLang="en-US" sz="2400" dirty="0"/>
               <a:t>	  	   </a:t>
             </a:r>
             <a:r>
-              <a:rPr lang="en-US" altLang="en-US" sz="2400" i="1">
+              <a:rPr lang="en-US" altLang="en-US" sz="2400" i="1" dirty="0">
                 <a:solidFill>
                   <a:srgbClr val="669900"/>
                 </a:solidFill>
@@ -21973,11 +21981,11 @@
               <a:buNone/>
             </a:pPr>
             <a:r>
-              <a:rPr lang="en-US" altLang="en-US" sz="2800"/>
+              <a:rPr lang="en-US" altLang="en-US" sz="2800" dirty="0"/>
               <a:t>	  	   </a:t>
             </a:r>
             <a:r>
-              <a:rPr lang="en-US" altLang="en-US" sz="2800">
+              <a:rPr lang="en-US" altLang="en-US" sz="2800" dirty="0">
                 <a:solidFill>
                   <a:srgbClr val="3333FF"/>
                 </a:solidFill>
@@ -21985,8 +21993,8 @@
               <a:t>print</a:t>
             </a:r>
             <a:r>
-              <a:rPr lang="en-US" altLang="en-US" sz="2800"/>
-              <a:t> “Field ‘COVER’ found.”</a:t>
+              <a:rPr lang="en-US" altLang="en-US" sz="2800" dirty="0"/>
+              <a:t>(“Field ‘COVER’ found.”)</a:t>
             </a:r>
           </a:p>
           <a:p>
@@ -21997,7 +22005,7 @@
               <a:buFontTx/>
               <a:buNone/>
             </a:pPr>
-            <a:endParaRPr lang="en-US" altLang="en-US" sz="2800"/>
+            <a:endParaRPr lang="en-US" altLang="en-US" sz="2800" dirty="0"/>
           </a:p>
           <a:p>
             <a:pPr marL="533400" indent="-533400">
@@ -22007,7 +22015,7 @@
               <a:buFontTx/>
               <a:buNone/>
             </a:pPr>
-            <a:endParaRPr lang="en-US" altLang="en-US"/>
+            <a:endParaRPr lang="en-US" altLang="en-US" dirty="0"/>
           </a:p>
         </p:txBody>
       </p:sp>
@@ -22563,7 +22571,7 @@
         <p:spPr bwMode="auto">
           <a:xfrm>
             <a:off x="4572000" y="1524000"/>
-            <a:ext cx="4572000" cy="1651000"/>
+            <a:ext cx="4572000" cy="1668149"/>
           </a:xfrm>
           <a:prstGeom prst="rect">
             <a:avLst/>
@@ -22697,7 +22705,7 @@
           <a:p>
             <a:pPr eaLnBrk="1" hangingPunct="1"/>
             <a:r>
-              <a:rPr lang="en-US" altLang="en-US" sz="3200">
+              <a:rPr lang="en-US" altLang="en-US" sz="3200" dirty="0">
                 <a:solidFill>
                   <a:srgbClr val="3333FF"/>
                 </a:solidFill>
@@ -22706,11 +22714,11 @@
               <a:t>for</a:t>
             </a:r>
             <a:r>
-              <a:rPr lang="en-US" altLang="en-US" sz="3200"/>
+              <a:rPr lang="en-US" altLang="en-US" sz="3200" dirty="0"/>
               <a:t> y </a:t>
             </a:r>
             <a:r>
-              <a:rPr lang="en-US" altLang="en-US" sz="3200">
+              <a:rPr lang="en-US" altLang="en-US" sz="3200" dirty="0">
                 <a:solidFill>
                   <a:srgbClr val="3333FF"/>
                 </a:solidFill>
@@ -22719,18 +22727,18 @@
               <a:t>in</a:t>
             </a:r>
             <a:r>
-              <a:rPr lang="en-US" altLang="en-US" sz="3200"/>
+              <a:rPr lang="en-US" altLang="en-US" sz="3200" dirty="0"/>
               <a:t> range(0, 3):</a:t>
             </a:r>
           </a:p>
           <a:p>
             <a:pPr eaLnBrk="1" hangingPunct="1"/>
             <a:r>
-              <a:rPr lang="en-US" altLang="en-US" sz="3200"/>
+              <a:rPr lang="en-US" altLang="en-US" sz="3200" dirty="0"/>
               <a:t>	</a:t>
             </a:r>
             <a:r>
-              <a:rPr lang="en-US" altLang="en-US" sz="3200">
+              <a:rPr lang="en-US" altLang="en-US" sz="3200" dirty="0">
                 <a:solidFill>
                   <a:srgbClr val="3333FF"/>
                 </a:solidFill>
@@ -22738,8 +22746,8 @@
               <a:t>print</a:t>
             </a:r>
             <a:r>
-              <a:rPr lang="en-US" altLang="en-US" sz="3200"/>
-              <a:t> y,</a:t>
+              <a:rPr lang="en-US" altLang="en-US" sz="3200" dirty="0"/>
+              <a:t>(y, end="")</a:t>
             </a:r>
           </a:p>
           <a:p>
@@ -22748,7 +22756,7 @@
                 <a:spcPct val="20000"/>
               </a:spcBef>
             </a:pPr>
-            <a:endParaRPr lang="en-US" altLang="en-US" sz="3200"/>
+            <a:endParaRPr lang="en-US" altLang="en-US" sz="3200" dirty="0"/>
           </a:p>
         </p:txBody>
       </p:sp>
@@ -22858,7 +22866,7 @@
         <p:spPr bwMode="auto">
           <a:xfrm>
             <a:off x="4343400" y="4749800"/>
-            <a:ext cx="4953000" cy="1651000"/>
+            <a:ext cx="4953000" cy="1668149"/>
           </a:xfrm>
           <a:prstGeom prst="rect">
             <a:avLst/>
@@ -22992,7 +23000,7 @@
           <a:p>
             <a:pPr eaLnBrk="1" hangingPunct="1"/>
             <a:r>
-              <a:rPr lang="en-US" altLang="en-US" sz="3200">
+              <a:rPr lang="en-US" altLang="en-US" sz="3200" dirty="0">
                 <a:solidFill>
                   <a:srgbClr val="3333FF"/>
                 </a:solidFill>
@@ -23001,11 +23009,11 @@
               <a:t>for</a:t>
             </a:r>
             <a:r>
-              <a:rPr lang="en-US" altLang="en-US" sz="3200"/>
+              <a:rPr lang="en-US" altLang="en-US" sz="3200" dirty="0"/>
               <a:t> x </a:t>
             </a:r>
             <a:r>
-              <a:rPr lang="en-US" altLang="en-US" sz="3200">
+              <a:rPr lang="en-US" altLang="en-US" sz="3200" dirty="0">
                 <a:solidFill>
                   <a:srgbClr val="3333FF"/>
                 </a:solidFill>
@@ -23014,18 +23022,18 @@
               <a:t>in</a:t>
             </a:r>
             <a:r>
-              <a:rPr lang="en-US" altLang="en-US" sz="3200"/>
+              <a:rPr lang="en-US" altLang="en-US" sz="3200" dirty="0"/>
               <a:t> range(10, 60, 10):</a:t>
             </a:r>
           </a:p>
           <a:p>
             <a:pPr eaLnBrk="1" hangingPunct="1"/>
             <a:r>
-              <a:rPr lang="en-US" altLang="en-US" sz="3200"/>
+              <a:rPr lang="en-US" altLang="en-US" sz="3200" dirty="0"/>
               <a:t>	</a:t>
             </a:r>
             <a:r>
-              <a:rPr lang="en-US" altLang="en-US" sz="3200">
+              <a:rPr lang="en-US" altLang="en-US" sz="3200" dirty="0">
                 <a:solidFill>
                   <a:srgbClr val="3333FF"/>
                 </a:solidFill>
@@ -23033,8 +23041,8 @@
               <a:t>print</a:t>
             </a:r>
             <a:r>
-              <a:rPr lang="en-US" altLang="en-US" sz="3200"/>
-              <a:t> x,</a:t>
+              <a:rPr lang="en-US" altLang="en-US" sz="3200" dirty="0"/>
+              <a:t>(x, end="")</a:t>
             </a:r>
           </a:p>
           <a:p>
@@ -23043,7 +23051,7 @@
                 <a:spcPct val="20000"/>
               </a:spcBef>
             </a:pPr>
-            <a:endParaRPr lang="en-US" altLang="en-US" sz="3200"/>
+            <a:endParaRPr lang="en-US" altLang="en-US" sz="3200" dirty="0"/>
           </a:p>
         </p:txBody>
       </p:sp>
@@ -23932,7 +23940,7 @@
               <a:defRPr/>
             </a:pPr>
             <a:r>
-              <a:rPr lang="en-US" sz="3200"/>
+              <a:rPr lang="en-US" sz="3200" dirty="0"/>
               <a:t>y = 0</a:t>
             </a:r>
           </a:p>
@@ -23947,7 +23955,7 @@
               <a:defRPr/>
             </a:pPr>
             <a:r>
-              <a:rPr lang="en-US" sz="3200">
+              <a:rPr lang="en-US" sz="3200" dirty="0">
                 <a:solidFill>
                   <a:srgbClr val="0000FF"/>
                 </a:solidFill>
@@ -23956,7 +23964,7 @@
               <a:t>while</a:t>
             </a:r>
             <a:r>
-              <a:rPr lang="en-US" sz="3200">
+              <a:rPr lang="en-US" sz="3200" dirty="0">
                 <a:solidFill>
                   <a:srgbClr val="0000FF"/>
                 </a:solidFill>
@@ -23964,7 +23972,7 @@
               <a:t> </a:t>
             </a:r>
             <a:r>
-              <a:rPr lang="en-US" sz="3200"/>
+              <a:rPr lang="en-US" sz="3200" dirty="0"/>
               <a:t>y &lt;= 2:</a:t>
             </a:r>
           </a:p>
@@ -23979,7 +23987,7 @@
               <a:defRPr/>
             </a:pPr>
             <a:r>
-              <a:rPr lang="en-US" sz="3200">
+              <a:rPr lang="en-US" sz="3200" dirty="0">
                 <a:solidFill>
                   <a:srgbClr val="0000FF"/>
                 </a:solidFill>
@@ -23987,7 +23995,7 @@
               <a:t>	 </a:t>
             </a:r>
             <a:r>
-              <a:rPr lang="en-US" sz="2800">
+              <a:rPr lang="en-US" sz="2800" dirty="0">
                 <a:solidFill>
                   <a:srgbClr val="3333FF"/>
                 </a:solidFill>
@@ -23995,9 +24003,14 @@
               <a:t>print</a:t>
             </a:r>
             <a:r>
-              <a:rPr lang="en-US" sz="3200"/>
-              <a:t> y,</a:t>
-            </a:r>
+              <a:rPr lang="en-US" sz="3200" dirty="0"/>
+              <a:t>(y,</a:t>
+            </a:r>
+            <a:r>
+              <a:rPr lang="en-US" altLang="en-US" sz="3200" dirty="0"/>
+              <a:t> end="")</a:t>
+            </a:r>
+            <a:endParaRPr lang="en-US" sz="3200" dirty="0"/>
           </a:p>
           <a:p>
             <a:pPr marL="742950" lvl="1" indent="-285750" eaLnBrk="0" hangingPunct="0">
@@ -24010,7 +24023,7 @@
               <a:defRPr/>
             </a:pPr>
             <a:r>
-              <a:rPr lang="en-US" sz="3200"/>
+              <a:rPr lang="en-US" sz="3200" dirty="0"/>
               <a:t>	 y = y + 1</a:t>
             </a:r>
           </a:p>
@@ -24024,7 +24037,7 @@
               </a:spcBef>
               <a:defRPr/>
             </a:pPr>
-            <a:endParaRPr lang="en-US" sz="2400">
+            <a:endParaRPr lang="en-US" sz="2400" dirty="0">
               <a:solidFill>
                 <a:srgbClr val="3333FF"/>
               </a:solidFill>
@@ -24041,7 +24054,7 @@
               <a:defRPr/>
             </a:pPr>
             <a:r>
-              <a:rPr lang="en-US" sz="3200">
+              <a:rPr lang="en-US" sz="3200" dirty="0">
                 <a:solidFill>
                   <a:srgbClr val="FF0066"/>
                 </a:solidFill>
@@ -24053,7 +24066,7 @@
               </a:rPr>
               <a:t>0 1 2</a:t>
             </a:r>
-            <a:endParaRPr lang="en-US" sz="2400">
+            <a:endParaRPr lang="en-US" sz="2400" dirty="0">
               <a:solidFill>
                 <a:srgbClr val="FF0066"/>
               </a:solidFill>
@@ -24070,7 +24083,7 @@
               <a:defRPr/>
             </a:pPr>
             <a:r>
-              <a:rPr lang="en-US" sz="3200"/>
+              <a:rPr lang="en-US" sz="3200" dirty="0"/>
               <a:t>x = 10</a:t>
             </a:r>
           </a:p>
@@ -24085,7 +24098,7 @@
               <a:defRPr/>
             </a:pPr>
             <a:r>
-              <a:rPr lang="en-US" sz="3200">
+              <a:rPr lang="en-US" sz="3200" dirty="0">
                 <a:solidFill>
                   <a:srgbClr val="0000FF"/>
                 </a:solidFill>
@@ -24094,7 +24107,7 @@
               <a:t>while</a:t>
             </a:r>
             <a:r>
-              <a:rPr lang="en-US" sz="3200">
+              <a:rPr lang="en-US" sz="3200" dirty="0">
                 <a:solidFill>
                   <a:srgbClr val="0000FF"/>
                 </a:solidFill>
@@ -24102,7 +24115,7 @@
               <a:t> </a:t>
             </a:r>
             <a:r>
-              <a:rPr lang="en-US" sz="3200"/>
+              <a:rPr lang="en-US" sz="3200" dirty="0"/>
               <a:t>x &lt;= 50:</a:t>
             </a:r>
           </a:p>
@@ -24117,7 +24130,7 @@
               <a:defRPr/>
             </a:pPr>
             <a:r>
-              <a:rPr lang="en-US" sz="3200">
+              <a:rPr lang="en-US" sz="3200" dirty="0">
                 <a:solidFill>
                   <a:srgbClr val="0000FF"/>
                 </a:solidFill>
@@ -24125,7 +24138,7 @@
               <a:t>	 </a:t>
             </a:r>
             <a:r>
-              <a:rPr lang="en-US" sz="2800">
+              <a:rPr lang="en-US" sz="2800" dirty="0">
                 <a:solidFill>
                   <a:srgbClr val="3333FF"/>
                 </a:solidFill>
@@ -24133,9 +24146,14 @@
               <a:t>print</a:t>
             </a:r>
             <a:r>
-              <a:rPr lang="en-US" sz="3200"/>
-              <a:t> x,</a:t>
-            </a:r>
+              <a:rPr lang="en-US" sz="3200" dirty="0"/>
+              <a:t>(x, </a:t>
+            </a:r>
+            <a:r>
+              <a:rPr lang="en-US" altLang="en-US" sz="3200" dirty="0"/>
+              <a:t>end="")</a:t>
+            </a:r>
+            <a:endParaRPr lang="en-US" sz="3200" dirty="0"/>
           </a:p>
           <a:p>
             <a:pPr marL="742950" lvl="1" indent="-285750" eaLnBrk="0" hangingPunct="0">
@@ -24148,7 +24166,7 @@
               <a:defRPr/>
             </a:pPr>
             <a:r>
-              <a:rPr lang="en-US" sz="3200"/>
+              <a:rPr lang="en-US" sz="3200" dirty="0"/>
               <a:t>	 x = x + 10</a:t>
             </a:r>
           </a:p>
@@ -24163,7 +24181,7 @@
               <a:defRPr/>
             </a:pPr>
             <a:r>
-              <a:rPr lang="en-US" sz="2800">
+              <a:rPr lang="en-US" sz="2800" dirty="0">
                 <a:solidFill>
                   <a:srgbClr val="FF0066"/>
                 </a:solidFill>
@@ -26425,11 +26443,11 @@
                   <a:srgbClr val="3333FF"/>
                 </a:solidFill>
               </a:rPr>
-              <a:t>print</a:t>
+              <a:t>Print</a:t>
             </a:r>
             <a:r>
               <a:rPr lang="en-US" altLang="en-US" sz="2000" dirty="0"/>
-              <a:t> y</a:t>
+              <a:t>(y)</a:t>
             </a:r>
             <a:br>
               <a:rPr lang="en-US" altLang="en-US" sz="2000" dirty="0"/>
@@ -26567,7 +26585,7 @@
             </a:r>
             <a:r>
               <a:rPr lang="en-US" altLang="en-US" sz="2000" dirty="0"/>
-              <a:t> z</a:t>
+              <a:t>(z)</a:t>
             </a:r>
           </a:p>
           <a:p>
